--- a/ppt 16-9/0373.正当现在悦纳.pptx
+++ b/ppt 16-9/0373.正当现在悦纳.pptx
@@ -129,7 +129,7 @@
           <p:cNvPr id="2" name="标题 1">
             <a:extLst>
               <a:ext uri="{FF2B5EF4-FFF2-40B4-BE49-F238E27FC236}">
-                <a16:creationId xmlns:a16="http://schemas.microsoft.com/office/drawing/2014/main" id="{D0EA7DCA-8A5B-DCD0-BA8C-424927C683F9}"/>
+                <a16:creationId xmlns:a16="http://schemas.microsoft.com/office/drawing/2014/main" id="{998478F9-0B0D-EC53-AB5D-B12C36418AA0}"/>
               </a:ext>
             </a:extLst>
           </p:cNvPr>
@@ -166,7 +166,7 @@
           <p:cNvPr id="3" name="副标题 2">
             <a:extLst>
               <a:ext uri="{FF2B5EF4-FFF2-40B4-BE49-F238E27FC236}">
-                <a16:creationId xmlns:a16="http://schemas.microsoft.com/office/drawing/2014/main" id="{5DDF5E57-0E35-8210-DFBE-74B28BD78967}"/>
+                <a16:creationId xmlns:a16="http://schemas.microsoft.com/office/drawing/2014/main" id="{9159E5F3-0D87-80D2-A459-A44FB0380AB0}"/>
               </a:ext>
             </a:extLst>
           </p:cNvPr>
@@ -236,7 +236,7 @@
           <p:cNvPr id="4" name="日期占位符 3">
             <a:extLst>
               <a:ext uri="{FF2B5EF4-FFF2-40B4-BE49-F238E27FC236}">
-                <a16:creationId xmlns:a16="http://schemas.microsoft.com/office/drawing/2014/main" id="{825C039F-01E7-1944-27E3-45B298558A09}"/>
+                <a16:creationId xmlns:a16="http://schemas.microsoft.com/office/drawing/2014/main" id="{518F0BDC-8B62-D6FA-403D-BF8E09F61A58}"/>
               </a:ext>
             </a:extLst>
           </p:cNvPr>
@@ -252,7 +252,7 @@
           <a:bodyPr/>
           <a:lstStyle/>
           <a:p>
-            <a:fld id="{9C84EBBB-B1A1-49B3-9DA7-7DD35E15FDC4}" type="datetimeFigureOut">
+            <a:fld id="{B6211B4E-782C-4835-A274-3BADBF6D2456}" type="datetimeFigureOut">
               <a:rPr lang="zh-CN" altLang="en-US" smtClean="0"/>
               <a:t>2024/3/10</a:t>
             </a:fld>
@@ -265,7 +265,7 @@
           <p:cNvPr id="5" name="页脚占位符 4">
             <a:extLst>
               <a:ext uri="{FF2B5EF4-FFF2-40B4-BE49-F238E27FC236}">
-                <a16:creationId xmlns:a16="http://schemas.microsoft.com/office/drawing/2014/main" id="{0837E294-D738-1F33-B9C4-2277985364B5}"/>
+                <a16:creationId xmlns:a16="http://schemas.microsoft.com/office/drawing/2014/main" id="{9B1EBC06-3304-4BC3-903F-0ECCC80EBD6C}"/>
               </a:ext>
             </a:extLst>
           </p:cNvPr>
@@ -290,7 +290,7 @@
           <p:cNvPr id="6" name="灯片编号占位符 5">
             <a:extLst>
               <a:ext uri="{FF2B5EF4-FFF2-40B4-BE49-F238E27FC236}">
-                <a16:creationId xmlns:a16="http://schemas.microsoft.com/office/drawing/2014/main" id="{0A39DB4E-E22C-23C8-AFAB-0C904E39E33F}"/>
+                <a16:creationId xmlns:a16="http://schemas.microsoft.com/office/drawing/2014/main" id="{7BED3F00-C0D0-AC3B-F854-289F353A7FF3}"/>
               </a:ext>
             </a:extLst>
           </p:cNvPr>
@@ -306,7 +306,7 @@
           <a:bodyPr/>
           <a:lstStyle/>
           <a:p>
-            <a:fld id="{9B5DA14F-05DB-4855-97AB-0D8B31710E76}" type="slidenum">
+            <a:fld id="{0F29AEA7-A42D-4EBA-B843-F454C1CD6D24}" type="slidenum">
               <a:rPr lang="zh-CN" altLang="en-US" smtClean="0"/>
               <a:t>‹#›</a:t>
             </a:fld>
@@ -317,7 +317,7 @@
     </p:spTree>
     <p:extLst>
       <p:ext uri="{BB962C8B-B14F-4D97-AF65-F5344CB8AC3E}">
-        <p14:creationId xmlns:p14="http://schemas.microsoft.com/office/powerpoint/2010/main" val="155515958"/>
+        <p14:creationId xmlns:p14="http://schemas.microsoft.com/office/powerpoint/2010/main" val="1796471364"/>
       </p:ext>
     </p:extLst>
   </p:cSld>
@@ -349,7 +349,7 @@
           <p:cNvPr id="2" name="标题 1">
             <a:extLst>
               <a:ext uri="{FF2B5EF4-FFF2-40B4-BE49-F238E27FC236}">
-                <a16:creationId xmlns:a16="http://schemas.microsoft.com/office/drawing/2014/main" id="{09F80B9B-D6D0-E595-1F48-4EDC5A5CD428}"/>
+                <a16:creationId xmlns:a16="http://schemas.microsoft.com/office/drawing/2014/main" id="{02DEF5A7-6BFC-57A8-9D86-DFA89D5A6F95}"/>
               </a:ext>
             </a:extLst>
           </p:cNvPr>
@@ -377,7 +377,7 @@
           <p:cNvPr id="3" name="竖排文字占位符 2">
             <a:extLst>
               <a:ext uri="{FF2B5EF4-FFF2-40B4-BE49-F238E27FC236}">
-                <a16:creationId xmlns:a16="http://schemas.microsoft.com/office/drawing/2014/main" id="{218A030A-A8AC-BFD6-8C20-7458F99E4406}"/>
+                <a16:creationId xmlns:a16="http://schemas.microsoft.com/office/drawing/2014/main" id="{93ABA8D4-8CD2-01C6-6027-5186E482E8CC}"/>
               </a:ext>
             </a:extLst>
           </p:cNvPr>
@@ -434,7 +434,7 @@
           <p:cNvPr id="4" name="日期占位符 3">
             <a:extLst>
               <a:ext uri="{FF2B5EF4-FFF2-40B4-BE49-F238E27FC236}">
-                <a16:creationId xmlns:a16="http://schemas.microsoft.com/office/drawing/2014/main" id="{DFF81211-B457-1C35-0C57-2299127647BA}"/>
+                <a16:creationId xmlns:a16="http://schemas.microsoft.com/office/drawing/2014/main" id="{F0039C3A-0720-5DE6-BCB7-8ED70762D5CF}"/>
               </a:ext>
             </a:extLst>
           </p:cNvPr>
@@ -450,7 +450,7 @@
           <a:bodyPr/>
           <a:lstStyle/>
           <a:p>
-            <a:fld id="{9C84EBBB-B1A1-49B3-9DA7-7DD35E15FDC4}" type="datetimeFigureOut">
+            <a:fld id="{B6211B4E-782C-4835-A274-3BADBF6D2456}" type="datetimeFigureOut">
               <a:rPr lang="zh-CN" altLang="en-US" smtClean="0"/>
               <a:t>2024/3/10</a:t>
             </a:fld>
@@ -463,7 +463,7 @@
           <p:cNvPr id="5" name="页脚占位符 4">
             <a:extLst>
               <a:ext uri="{FF2B5EF4-FFF2-40B4-BE49-F238E27FC236}">
-                <a16:creationId xmlns:a16="http://schemas.microsoft.com/office/drawing/2014/main" id="{5A9720C0-696C-4BF6-C537-315C8BA8C38C}"/>
+                <a16:creationId xmlns:a16="http://schemas.microsoft.com/office/drawing/2014/main" id="{1193502F-B47F-3ED1-14BE-44CE08B31BBC}"/>
               </a:ext>
             </a:extLst>
           </p:cNvPr>
@@ -488,7 +488,7 @@
           <p:cNvPr id="6" name="灯片编号占位符 5">
             <a:extLst>
               <a:ext uri="{FF2B5EF4-FFF2-40B4-BE49-F238E27FC236}">
-                <a16:creationId xmlns:a16="http://schemas.microsoft.com/office/drawing/2014/main" id="{E7A8CD9B-C0DD-7A59-0F26-7009B0AE96F7}"/>
+                <a16:creationId xmlns:a16="http://schemas.microsoft.com/office/drawing/2014/main" id="{4B7F3CB9-9E8A-3F65-3533-36C1FBB3E11B}"/>
               </a:ext>
             </a:extLst>
           </p:cNvPr>
@@ -504,7 +504,7 @@
           <a:bodyPr/>
           <a:lstStyle/>
           <a:p>
-            <a:fld id="{9B5DA14F-05DB-4855-97AB-0D8B31710E76}" type="slidenum">
+            <a:fld id="{0F29AEA7-A42D-4EBA-B843-F454C1CD6D24}" type="slidenum">
               <a:rPr lang="zh-CN" altLang="en-US" smtClean="0"/>
               <a:t>‹#›</a:t>
             </a:fld>
@@ -515,7 +515,7 @@
     </p:spTree>
     <p:extLst>
       <p:ext uri="{BB962C8B-B14F-4D97-AF65-F5344CB8AC3E}">
-        <p14:creationId xmlns:p14="http://schemas.microsoft.com/office/powerpoint/2010/main" val="2428812590"/>
+        <p14:creationId xmlns:p14="http://schemas.microsoft.com/office/powerpoint/2010/main" val="2829736873"/>
       </p:ext>
     </p:extLst>
   </p:cSld>
@@ -547,7 +547,7 @@
           <p:cNvPr id="2" name="竖排标题 1">
             <a:extLst>
               <a:ext uri="{FF2B5EF4-FFF2-40B4-BE49-F238E27FC236}">
-                <a16:creationId xmlns:a16="http://schemas.microsoft.com/office/drawing/2014/main" id="{5D68B344-6523-27AB-A86E-346CC2439F55}"/>
+                <a16:creationId xmlns:a16="http://schemas.microsoft.com/office/drawing/2014/main" id="{FEA9B2B9-8188-C32B-5898-1565F4F989F6}"/>
               </a:ext>
             </a:extLst>
           </p:cNvPr>
@@ -580,7 +580,7 @@
           <p:cNvPr id="3" name="竖排文字占位符 2">
             <a:extLst>
               <a:ext uri="{FF2B5EF4-FFF2-40B4-BE49-F238E27FC236}">
-                <a16:creationId xmlns:a16="http://schemas.microsoft.com/office/drawing/2014/main" id="{D8C8FE84-ED4C-5449-3E33-292923AFDD0C}"/>
+                <a16:creationId xmlns:a16="http://schemas.microsoft.com/office/drawing/2014/main" id="{BE6A48CE-A31E-9555-9AD7-AE7F8B2FC70C}"/>
               </a:ext>
             </a:extLst>
           </p:cNvPr>
@@ -642,7 +642,7 @@
           <p:cNvPr id="4" name="日期占位符 3">
             <a:extLst>
               <a:ext uri="{FF2B5EF4-FFF2-40B4-BE49-F238E27FC236}">
-                <a16:creationId xmlns:a16="http://schemas.microsoft.com/office/drawing/2014/main" id="{72E48190-A332-8944-FAC4-4C5998140B46}"/>
+                <a16:creationId xmlns:a16="http://schemas.microsoft.com/office/drawing/2014/main" id="{045413E0-C401-B161-2A39-4CE3EA52EE3D}"/>
               </a:ext>
             </a:extLst>
           </p:cNvPr>
@@ -658,7 +658,7 @@
           <a:bodyPr/>
           <a:lstStyle/>
           <a:p>
-            <a:fld id="{9C84EBBB-B1A1-49B3-9DA7-7DD35E15FDC4}" type="datetimeFigureOut">
+            <a:fld id="{B6211B4E-782C-4835-A274-3BADBF6D2456}" type="datetimeFigureOut">
               <a:rPr lang="zh-CN" altLang="en-US" smtClean="0"/>
               <a:t>2024/3/10</a:t>
             </a:fld>
@@ -671,7 +671,7 @@
           <p:cNvPr id="5" name="页脚占位符 4">
             <a:extLst>
               <a:ext uri="{FF2B5EF4-FFF2-40B4-BE49-F238E27FC236}">
-                <a16:creationId xmlns:a16="http://schemas.microsoft.com/office/drawing/2014/main" id="{7A5013E2-ED9B-A3D2-89E6-2C26CBEFED6B}"/>
+                <a16:creationId xmlns:a16="http://schemas.microsoft.com/office/drawing/2014/main" id="{5AD7E2B0-B274-D9DE-A4A6-E6716BE678CA}"/>
               </a:ext>
             </a:extLst>
           </p:cNvPr>
@@ -696,7 +696,7 @@
           <p:cNvPr id="6" name="灯片编号占位符 5">
             <a:extLst>
               <a:ext uri="{FF2B5EF4-FFF2-40B4-BE49-F238E27FC236}">
-                <a16:creationId xmlns:a16="http://schemas.microsoft.com/office/drawing/2014/main" id="{A194A11B-352D-BEB1-FC16-6CC4C769B171}"/>
+                <a16:creationId xmlns:a16="http://schemas.microsoft.com/office/drawing/2014/main" id="{8B7A87ED-BAAA-9DDE-7ECC-4AB9013C8F30}"/>
               </a:ext>
             </a:extLst>
           </p:cNvPr>
@@ -712,7 +712,7 @@
           <a:bodyPr/>
           <a:lstStyle/>
           <a:p>
-            <a:fld id="{9B5DA14F-05DB-4855-97AB-0D8B31710E76}" type="slidenum">
+            <a:fld id="{0F29AEA7-A42D-4EBA-B843-F454C1CD6D24}" type="slidenum">
               <a:rPr lang="zh-CN" altLang="en-US" smtClean="0"/>
               <a:t>‹#›</a:t>
             </a:fld>
@@ -723,7 +723,7 @@
     </p:spTree>
     <p:extLst>
       <p:ext uri="{BB962C8B-B14F-4D97-AF65-F5344CB8AC3E}">
-        <p14:creationId xmlns:p14="http://schemas.microsoft.com/office/powerpoint/2010/main" val="1742278123"/>
+        <p14:creationId xmlns:p14="http://schemas.microsoft.com/office/powerpoint/2010/main" val="1914571813"/>
       </p:ext>
     </p:extLst>
   </p:cSld>
@@ -755,7 +755,7 @@
           <p:cNvPr id="2" name="标题 1">
             <a:extLst>
               <a:ext uri="{FF2B5EF4-FFF2-40B4-BE49-F238E27FC236}">
-                <a16:creationId xmlns:a16="http://schemas.microsoft.com/office/drawing/2014/main" id="{506704A9-7992-02FA-A068-7EB434757E4D}"/>
+                <a16:creationId xmlns:a16="http://schemas.microsoft.com/office/drawing/2014/main" id="{5BBC9AA6-6E8F-59E3-FEBC-84E48E15744F}"/>
               </a:ext>
             </a:extLst>
           </p:cNvPr>
@@ -783,7 +783,7 @@
           <p:cNvPr id="3" name="内容占位符 2">
             <a:extLst>
               <a:ext uri="{FF2B5EF4-FFF2-40B4-BE49-F238E27FC236}">
-                <a16:creationId xmlns:a16="http://schemas.microsoft.com/office/drawing/2014/main" id="{01A2B44D-C3D4-C375-231B-ABBB162FA142}"/>
+                <a16:creationId xmlns:a16="http://schemas.microsoft.com/office/drawing/2014/main" id="{A4AA69BA-2363-8074-57EC-67CC78F06030}"/>
               </a:ext>
             </a:extLst>
           </p:cNvPr>
@@ -840,7 +840,7 @@
           <p:cNvPr id="4" name="日期占位符 3">
             <a:extLst>
               <a:ext uri="{FF2B5EF4-FFF2-40B4-BE49-F238E27FC236}">
-                <a16:creationId xmlns:a16="http://schemas.microsoft.com/office/drawing/2014/main" id="{45B4A92F-23EC-AA30-941F-CEDB6D0071E0}"/>
+                <a16:creationId xmlns:a16="http://schemas.microsoft.com/office/drawing/2014/main" id="{7424228C-44EB-AD0B-1C4E-95BF8D209F4E}"/>
               </a:ext>
             </a:extLst>
           </p:cNvPr>
@@ -856,7 +856,7 @@
           <a:bodyPr/>
           <a:lstStyle/>
           <a:p>
-            <a:fld id="{9C84EBBB-B1A1-49B3-9DA7-7DD35E15FDC4}" type="datetimeFigureOut">
+            <a:fld id="{B6211B4E-782C-4835-A274-3BADBF6D2456}" type="datetimeFigureOut">
               <a:rPr lang="zh-CN" altLang="en-US" smtClean="0"/>
               <a:t>2024/3/10</a:t>
             </a:fld>
@@ -869,7 +869,7 @@
           <p:cNvPr id="5" name="页脚占位符 4">
             <a:extLst>
               <a:ext uri="{FF2B5EF4-FFF2-40B4-BE49-F238E27FC236}">
-                <a16:creationId xmlns:a16="http://schemas.microsoft.com/office/drawing/2014/main" id="{988F8F75-153D-991C-76CF-5C38797C6A70}"/>
+                <a16:creationId xmlns:a16="http://schemas.microsoft.com/office/drawing/2014/main" id="{F9B52DB7-6F7A-AD87-0168-5A435E767E7C}"/>
               </a:ext>
             </a:extLst>
           </p:cNvPr>
@@ -894,7 +894,7 @@
           <p:cNvPr id="6" name="灯片编号占位符 5">
             <a:extLst>
               <a:ext uri="{FF2B5EF4-FFF2-40B4-BE49-F238E27FC236}">
-                <a16:creationId xmlns:a16="http://schemas.microsoft.com/office/drawing/2014/main" id="{C7534B56-325A-DC6A-A373-ED7361DA2E20}"/>
+                <a16:creationId xmlns:a16="http://schemas.microsoft.com/office/drawing/2014/main" id="{15B8F41B-D0D7-97FD-2DCD-B8742D163011}"/>
               </a:ext>
             </a:extLst>
           </p:cNvPr>
@@ -910,7 +910,7 @@
           <a:bodyPr/>
           <a:lstStyle/>
           <a:p>
-            <a:fld id="{9B5DA14F-05DB-4855-97AB-0D8B31710E76}" type="slidenum">
+            <a:fld id="{0F29AEA7-A42D-4EBA-B843-F454C1CD6D24}" type="slidenum">
               <a:rPr lang="zh-CN" altLang="en-US" smtClean="0"/>
               <a:t>‹#›</a:t>
             </a:fld>
@@ -921,7 +921,7 @@
     </p:spTree>
     <p:extLst>
       <p:ext uri="{BB962C8B-B14F-4D97-AF65-F5344CB8AC3E}">
-        <p14:creationId xmlns:p14="http://schemas.microsoft.com/office/powerpoint/2010/main" val="3488288124"/>
+        <p14:creationId xmlns:p14="http://schemas.microsoft.com/office/powerpoint/2010/main" val="1036365490"/>
       </p:ext>
     </p:extLst>
   </p:cSld>
@@ -953,7 +953,7 @@
           <p:cNvPr id="2" name="标题 1">
             <a:extLst>
               <a:ext uri="{FF2B5EF4-FFF2-40B4-BE49-F238E27FC236}">
-                <a16:creationId xmlns:a16="http://schemas.microsoft.com/office/drawing/2014/main" id="{85342539-50FC-5D0D-2D93-FB87797DA140}"/>
+                <a16:creationId xmlns:a16="http://schemas.microsoft.com/office/drawing/2014/main" id="{A4C7380D-6368-FD09-DC3E-D5655511B186}"/>
               </a:ext>
             </a:extLst>
           </p:cNvPr>
@@ -990,7 +990,7 @@
           <p:cNvPr id="3" name="文本占位符 2">
             <a:extLst>
               <a:ext uri="{FF2B5EF4-FFF2-40B4-BE49-F238E27FC236}">
-                <a16:creationId xmlns:a16="http://schemas.microsoft.com/office/drawing/2014/main" id="{1B2236C8-3C42-BB89-C89A-370F851C508C}"/>
+                <a16:creationId xmlns:a16="http://schemas.microsoft.com/office/drawing/2014/main" id="{217F9B73-B847-C023-A6C1-0563A17C41E4}"/>
               </a:ext>
             </a:extLst>
           </p:cNvPr>
@@ -1115,7 +1115,7 @@
           <p:cNvPr id="4" name="日期占位符 3">
             <a:extLst>
               <a:ext uri="{FF2B5EF4-FFF2-40B4-BE49-F238E27FC236}">
-                <a16:creationId xmlns:a16="http://schemas.microsoft.com/office/drawing/2014/main" id="{C1EBEF10-2FCC-19F4-CB4B-42E1A09AEBF6}"/>
+                <a16:creationId xmlns:a16="http://schemas.microsoft.com/office/drawing/2014/main" id="{B7FBFA75-70BA-8969-BDBF-5B6CE66EDB16}"/>
               </a:ext>
             </a:extLst>
           </p:cNvPr>
@@ -1131,7 +1131,7 @@
           <a:bodyPr/>
           <a:lstStyle/>
           <a:p>
-            <a:fld id="{9C84EBBB-B1A1-49B3-9DA7-7DD35E15FDC4}" type="datetimeFigureOut">
+            <a:fld id="{B6211B4E-782C-4835-A274-3BADBF6D2456}" type="datetimeFigureOut">
               <a:rPr lang="zh-CN" altLang="en-US" smtClean="0"/>
               <a:t>2024/3/10</a:t>
             </a:fld>
@@ -1144,7 +1144,7 @@
           <p:cNvPr id="5" name="页脚占位符 4">
             <a:extLst>
               <a:ext uri="{FF2B5EF4-FFF2-40B4-BE49-F238E27FC236}">
-                <a16:creationId xmlns:a16="http://schemas.microsoft.com/office/drawing/2014/main" id="{82AE7A0E-AF9B-FC47-AB4B-F1FABB112D80}"/>
+                <a16:creationId xmlns:a16="http://schemas.microsoft.com/office/drawing/2014/main" id="{0E3E2628-DF29-164E-7548-A724FA7533CB}"/>
               </a:ext>
             </a:extLst>
           </p:cNvPr>
@@ -1169,7 +1169,7 @@
           <p:cNvPr id="6" name="灯片编号占位符 5">
             <a:extLst>
               <a:ext uri="{FF2B5EF4-FFF2-40B4-BE49-F238E27FC236}">
-                <a16:creationId xmlns:a16="http://schemas.microsoft.com/office/drawing/2014/main" id="{FE608C07-7293-D25E-2751-822106C3DB47}"/>
+                <a16:creationId xmlns:a16="http://schemas.microsoft.com/office/drawing/2014/main" id="{C747D3CB-2194-37A1-1A66-D371D22E8D3A}"/>
               </a:ext>
             </a:extLst>
           </p:cNvPr>
@@ -1185,7 +1185,7 @@
           <a:bodyPr/>
           <a:lstStyle/>
           <a:p>
-            <a:fld id="{9B5DA14F-05DB-4855-97AB-0D8B31710E76}" type="slidenum">
+            <a:fld id="{0F29AEA7-A42D-4EBA-B843-F454C1CD6D24}" type="slidenum">
               <a:rPr lang="zh-CN" altLang="en-US" smtClean="0"/>
               <a:t>‹#›</a:t>
             </a:fld>
@@ -1196,7 +1196,7 @@
     </p:spTree>
     <p:extLst>
       <p:ext uri="{BB962C8B-B14F-4D97-AF65-F5344CB8AC3E}">
-        <p14:creationId xmlns:p14="http://schemas.microsoft.com/office/powerpoint/2010/main" val="3999441580"/>
+        <p14:creationId xmlns:p14="http://schemas.microsoft.com/office/powerpoint/2010/main" val="3940676378"/>
       </p:ext>
     </p:extLst>
   </p:cSld>
@@ -1228,7 +1228,7 @@
           <p:cNvPr id="2" name="标题 1">
             <a:extLst>
               <a:ext uri="{FF2B5EF4-FFF2-40B4-BE49-F238E27FC236}">
-                <a16:creationId xmlns:a16="http://schemas.microsoft.com/office/drawing/2014/main" id="{9041DA59-CC65-504A-1F41-52F5A2D0B790}"/>
+                <a16:creationId xmlns:a16="http://schemas.microsoft.com/office/drawing/2014/main" id="{13EC95BB-5450-DC7F-7415-2839A36B2C9F}"/>
               </a:ext>
             </a:extLst>
           </p:cNvPr>
@@ -1256,7 +1256,7 @@
           <p:cNvPr id="3" name="内容占位符 2">
             <a:extLst>
               <a:ext uri="{FF2B5EF4-FFF2-40B4-BE49-F238E27FC236}">
-                <a16:creationId xmlns:a16="http://schemas.microsoft.com/office/drawing/2014/main" id="{C7663787-B002-0023-E631-2D85D6F54EE7}"/>
+                <a16:creationId xmlns:a16="http://schemas.microsoft.com/office/drawing/2014/main" id="{68A1F403-9D11-A8F5-595A-DC618B7DF089}"/>
               </a:ext>
             </a:extLst>
           </p:cNvPr>
@@ -1318,7 +1318,7 @@
           <p:cNvPr id="4" name="内容占位符 3">
             <a:extLst>
               <a:ext uri="{FF2B5EF4-FFF2-40B4-BE49-F238E27FC236}">
-                <a16:creationId xmlns:a16="http://schemas.microsoft.com/office/drawing/2014/main" id="{05D58683-CAF5-BB42-86F1-B9DA3D6D867C}"/>
+                <a16:creationId xmlns:a16="http://schemas.microsoft.com/office/drawing/2014/main" id="{0CC80623-B570-B58D-AFB8-2115992D9A89}"/>
               </a:ext>
             </a:extLst>
           </p:cNvPr>
@@ -1380,7 +1380,7 @@
           <p:cNvPr id="5" name="日期占位符 4">
             <a:extLst>
               <a:ext uri="{FF2B5EF4-FFF2-40B4-BE49-F238E27FC236}">
-                <a16:creationId xmlns:a16="http://schemas.microsoft.com/office/drawing/2014/main" id="{52D56F80-EF8D-EE3F-5691-785D4B30F16B}"/>
+                <a16:creationId xmlns:a16="http://schemas.microsoft.com/office/drawing/2014/main" id="{7EA14E63-2555-42E1-3F71-3F063DA73EB9}"/>
               </a:ext>
             </a:extLst>
           </p:cNvPr>
@@ -1396,7 +1396,7 @@
           <a:bodyPr/>
           <a:lstStyle/>
           <a:p>
-            <a:fld id="{9C84EBBB-B1A1-49B3-9DA7-7DD35E15FDC4}" type="datetimeFigureOut">
+            <a:fld id="{B6211B4E-782C-4835-A274-3BADBF6D2456}" type="datetimeFigureOut">
               <a:rPr lang="zh-CN" altLang="en-US" smtClean="0"/>
               <a:t>2024/3/10</a:t>
             </a:fld>
@@ -1409,7 +1409,7 @@
           <p:cNvPr id="6" name="页脚占位符 5">
             <a:extLst>
               <a:ext uri="{FF2B5EF4-FFF2-40B4-BE49-F238E27FC236}">
-                <a16:creationId xmlns:a16="http://schemas.microsoft.com/office/drawing/2014/main" id="{CB81077D-AD1E-9289-B8B3-6AFCD54721FA}"/>
+                <a16:creationId xmlns:a16="http://schemas.microsoft.com/office/drawing/2014/main" id="{B1A281BD-964D-B550-0AD6-B5279EBA6165}"/>
               </a:ext>
             </a:extLst>
           </p:cNvPr>
@@ -1434,7 +1434,7 @@
           <p:cNvPr id="7" name="灯片编号占位符 6">
             <a:extLst>
               <a:ext uri="{FF2B5EF4-FFF2-40B4-BE49-F238E27FC236}">
-                <a16:creationId xmlns:a16="http://schemas.microsoft.com/office/drawing/2014/main" id="{E7E27C61-DC8A-73B7-83A0-A11C581B717F}"/>
+                <a16:creationId xmlns:a16="http://schemas.microsoft.com/office/drawing/2014/main" id="{056CFD98-CC8F-1913-8F4B-C344F2D3F2E1}"/>
               </a:ext>
             </a:extLst>
           </p:cNvPr>
@@ -1450,7 +1450,7 @@
           <a:bodyPr/>
           <a:lstStyle/>
           <a:p>
-            <a:fld id="{9B5DA14F-05DB-4855-97AB-0D8B31710E76}" type="slidenum">
+            <a:fld id="{0F29AEA7-A42D-4EBA-B843-F454C1CD6D24}" type="slidenum">
               <a:rPr lang="zh-CN" altLang="en-US" smtClean="0"/>
               <a:t>‹#›</a:t>
             </a:fld>
@@ -1461,7 +1461,7 @@
     </p:spTree>
     <p:extLst>
       <p:ext uri="{BB962C8B-B14F-4D97-AF65-F5344CB8AC3E}">
-        <p14:creationId xmlns:p14="http://schemas.microsoft.com/office/powerpoint/2010/main" val="4192843797"/>
+        <p14:creationId xmlns:p14="http://schemas.microsoft.com/office/powerpoint/2010/main" val="1300361116"/>
       </p:ext>
     </p:extLst>
   </p:cSld>
@@ -1493,7 +1493,7 @@
           <p:cNvPr id="2" name="标题 1">
             <a:extLst>
               <a:ext uri="{FF2B5EF4-FFF2-40B4-BE49-F238E27FC236}">
-                <a16:creationId xmlns:a16="http://schemas.microsoft.com/office/drawing/2014/main" id="{3F7DF244-C2B2-CF87-3CE7-2E96B0322553}"/>
+                <a16:creationId xmlns:a16="http://schemas.microsoft.com/office/drawing/2014/main" id="{D49DD529-D12E-57AF-A105-5F14C68584F5}"/>
               </a:ext>
             </a:extLst>
           </p:cNvPr>
@@ -1526,7 +1526,7 @@
           <p:cNvPr id="3" name="文本占位符 2">
             <a:extLst>
               <a:ext uri="{FF2B5EF4-FFF2-40B4-BE49-F238E27FC236}">
-                <a16:creationId xmlns:a16="http://schemas.microsoft.com/office/drawing/2014/main" id="{6B0B9F88-A3C7-A6B8-841B-C5C82965D73D}"/>
+                <a16:creationId xmlns:a16="http://schemas.microsoft.com/office/drawing/2014/main" id="{F854481B-21CB-BC99-685C-40A7CA996C55}"/>
               </a:ext>
             </a:extLst>
           </p:cNvPr>
@@ -1597,7 +1597,7 @@
           <p:cNvPr id="4" name="内容占位符 3">
             <a:extLst>
               <a:ext uri="{FF2B5EF4-FFF2-40B4-BE49-F238E27FC236}">
-                <a16:creationId xmlns:a16="http://schemas.microsoft.com/office/drawing/2014/main" id="{5AF23071-1329-D621-08A2-B1F4C01F22FC}"/>
+                <a16:creationId xmlns:a16="http://schemas.microsoft.com/office/drawing/2014/main" id="{7132491F-102E-4929-A5C4-A20B90E839D3}"/>
               </a:ext>
             </a:extLst>
           </p:cNvPr>
@@ -1659,7 +1659,7 @@
           <p:cNvPr id="5" name="文本占位符 4">
             <a:extLst>
               <a:ext uri="{FF2B5EF4-FFF2-40B4-BE49-F238E27FC236}">
-                <a16:creationId xmlns:a16="http://schemas.microsoft.com/office/drawing/2014/main" id="{42EAD8C1-C297-95CC-B0AF-82C7ED578133}"/>
+                <a16:creationId xmlns:a16="http://schemas.microsoft.com/office/drawing/2014/main" id="{048F806B-ED38-0721-FF15-F01A239CA336}"/>
               </a:ext>
             </a:extLst>
           </p:cNvPr>
@@ -1730,7 +1730,7 @@
           <p:cNvPr id="6" name="内容占位符 5">
             <a:extLst>
               <a:ext uri="{FF2B5EF4-FFF2-40B4-BE49-F238E27FC236}">
-                <a16:creationId xmlns:a16="http://schemas.microsoft.com/office/drawing/2014/main" id="{A503ED30-925C-FC13-977B-6A594D48DFD2}"/>
+                <a16:creationId xmlns:a16="http://schemas.microsoft.com/office/drawing/2014/main" id="{E624A083-F247-98AA-989D-F9A8863146E7}"/>
               </a:ext>
             </a:extLst>
           </p:cNvPr>
@@ -1792,7 +1792,7 @@
           <p:cNvPr id="7" name="日期占位符 6">
             <a:extLst>
               <a:ext uri="{FF2B5EF4-FFF2-40B4-BE49-F238E27FC236}">
-                <a16:creationId xmlns:a16="http://schemas.microsoft.com/office/drawing/2014/main" id="{AAABAD5F-079B-2C60-D199-E61C642BCFEC}"/>
+                <a16:creationId xmlns:a16="http://schemas.microsoft.com/office/drawing/2014/main" id="{6BD9BBE7-74E3-A38F-8711-A5E67D760A22}"/>
               </a:ext>
             </a:extLst>
           </p:cNvPr>
@@ -1808,7 +1808,7 @@
           <a:bodyPr/>
           <a:lstStyle/>
           <a:p>
-            <a:fld id="{9C84EBBB-B1A1-49B3-9DA7-7DD35E15FDC4}" type="datetimeFigureOut">
+            <a:fld id="{B6211B4E-782C-4835-A274-3BADBF6D2456}" type="datetimeFigureOut">
               <a:rPr lang="zh-CN" altLang="en-US" smtClean="0"/>
               <a:t>2024/3/10</a:t>
             </a:fld>
@@ -1821,7 +1821,7 @@
           <p:cNvPr id="8" name="页脚占位符 7">
             <a:extLst>
               <a:ext uri="{FF2B5EF4-FFF2-40B4-BE49-F238E27FC236}">
-                <a16:creationId xmlns:a16="http://schemas.microsoft.com/office/drawing/2014/main" id="{BDECDCBB-13EC-BFDF-621A-7B4326B123A5}"/>
+                <a16:creationId xmlns:a16="http://schemas.microsoft.com/office/drawing/2014/main" id="{ED0015C3-78EB-6172-6A3B-ED0FD416951A}"/>
               </a:ext>
             </a:extLst>
           </p:cNvPr>
@@ -1846,7 +1846,7 @@
           <p:cNvPr id="9" name="灯片编号占位符 8">
             <a:extLst>
               <a:ext uri="{FF2B5EF4-FFF2-40B4-BE49-F238E27FC236}">
-                <a16:creationId xmlns:a16="http://schemas.microsoft.com/office/drawing/2014/main" id="{E422FFC8-36AA-9A74-440D-76652BBA6E78}"/>
+                <a16:creationId xmlns:a16="http://schemas.microsoft.com/office/drawing/2014/main" id="{899197E5-5A0B-A780-B817-913D58DE8810}"/>
               </a:ext>
             </a:extLst>
           </p:cNvPr>
@@ -1862,7 +1862,7 @@
           <a:bodyPr/>
           <a:lstStyle/>
           <a:p>
-            <a:fld id="{9B5DA14F-05DB-4855-97AB-0D8B31710E76}" type="slidenum">
+            <a:fld id="{0F29AEA7-A42D-4EBA-B843-F454C1CD6D24}" type="slidenum">
               <a:rPr lang="zh-CN" altLang="en-US" smtClean="0"/>
               <a:t>‹#›</a:t>
             </a:fld>
@@ -1873,7 +1873,7 @@
     </p:spTree>
     <p:extLst>
       <p:ext uri="{BB962C8B-B14F-4D97-AF65-F5344CB8AC3E}">
-        <p14:creationId xmlns:p14="http://schemas.microsoft.com/office/powerpoint/2010/main" val="428107474"/>
+        <p14:creationId xmlns:p14="http://schemas.microsoft.com/office/powerpoint/2010/main" val="1165827613"/>
       </p:ext>
     </p:extLst>
   </p:cSld>
@@ -1905,7 +1905,7 @@
           <p:cNvPr id="2" name="标题 1">
             <a:extLst>
               <a:ext uri="{FF2B5EF4-FFF2-40B4-BE49-F238E27FC236}">
-                <a16:creationId xmlns:a16="http://schemas.microsoft.com/office/drawing/2014/main" id="{0E5114A9-FE51-45C0-551D-8B97247F23EC}"/>
+                <a16:creationId xmlns:a16="http://schemas.microsoft.com/office/drawing/2014/main" id="{F6E7D55A-A5B9-32DC-0A9E-B4F7AA2D7A4C}"/>
               </a:ext>
             </a:extLst>
           </p:cNvPr>
@@ -1933,7 +1933,7 @@
           <p:cNvPr id="3" name="日期占位符 2">
             <a:extLst>
               <a:ext uri="{FF2B5EF4-FFF2-40B4-BE49-F238E27FC236}">
-                <a16:creationId xmlns:a16="http://schemas.microsoft.com/office/drawing/2014/main" id="{390C2073-6020-0484-8D9E-756C8BA542EB}"/>
+                <a16:creationId xmlns:a16="http://schemas.microsoft.com/office/drawing/2014/main" id="{1151AB40-E513-78E1-2D7C-A6C614BA8D9A}"/>
               </a:ext>
             </a:extLst>
           </p:cNvPr>
@@ -1949,7 +1949,7 @@
           <a:bodyPr/>
           <a:lstStyle/>
           <a:p>
-            <a:fld id="{9C84EBBB-B1A1-49B3-9DA7-7DD35E15FDC4}" type="datetimeFigureOut">
+            <a:fld id="{B6211B4E-782C-4835-A274-3BADBF6D2456}" type="datetimeFigureOut">
               <a:rPr lang="zh-CN" altLang="en-US" smtClean="0"/>
               <a:t>2024/3/10</a:t>
             </a:fld>
@@ -1962,7 +1962,7 @@
           <p:cNvPr id="4" name="页脚占位符 3">
             <a:extLst>
               <a:ext uri="{FF2B5EF4-FFF2-40B4-BE49-F238E27FC236}">
-                <a16:creationId xmlns:a16="http://schemas.microsoft.com/office/drawing/2014/main" id="{1E1A33D6-28CE-6A1D-6528-A6842D2BB26E}"/>
+                <a16:creationId xmlns:a16="http://schemas.microsoft.com/office/drawing/2014/main" id="{09699135-5C2A-A94B-3852-ABDEFEC7DCFC}"/>
               </a:ext>
             </a:extLst>
           </p:cNvPr>
@@ -1987,7 +1987,7 @@
           <p:cNvPr id="5" name="灯片编号占位符 4">
             <a:extLst>
               <a:ext uri="{FF2B5EF4-FFF2-40B4-BE49-F238E27FC236}">
-                <a16:creationId xmlns:a16="http://schemas.microsoft.com/office/drawing/2014/main" id="{494446DB-B985-6301-7A2B-3366679CA215}"/>
+                <a16:creationId xmlns:a16="http://schemas.microsoft.com/office/drawing/2014/main" id="{80FC8736-A937-E543-67EA-A50A1665FB1B}"/>
               </a:ext>
             </a:extLst>
           </p:cNvPr>
@@ -2003,7 +2003,7 @@
           <a:bodyPr/>
           <a:lstStyle/>
           <a:p>
-            <a:fld id="{9B5DA14F-05DB-4855-97AB-0D8B31710E76}" type="slidenum">
+            <a:fld id="{0F29AEA7-A42D-4EBA-B843-F454C1CD6D24}" type="slidenum">
               <a:rPr lang="zh-CN" altLang="en-US" smtClean="0"/>
               <a:t>‹#›</a:t>
             </a:fld>
@@ -2014,7 +2014,7 @@
     </p:spTree>
     <p:extLst>
       <p:ext uri="{BB962C8B-B14F-4D97-AF65-F5344CB8AC3E}">
-        <p14:creationId xmlns:p14="http://schemas.microsoft.com/office/powerpoint/2010/main" val="4113338365"/>
+        <p14:creationId xmlns:p14="http://schemas.microsoft.com/office/powerpoint/2010/main" val="246743366"/>
       </p:ext>
     </p:extLst>
   </p:cSld>
@@ -2046,7 +2046,7 @@
           <p:cNvPr id="2" name="日期占位符 1">
             <a:extLst>
               <a:ext uri="{FF2B5EF4-FFF2-40B4-BE49-F238E27FC236}">
-                <a16:creationId xmlns:a16="http://schemas.microsoft.com/office/drawing/2014/main" id="{659F2BC2-4FD8-313C-CF6E-D8B546F70FEA}"/>
+                <a16:creationId xmlns:a16="http://schemas.microsoft.com/office/drawing/2014/main" id="{7EE01237-7BF1-734C-03F9-B2DBD642442B}"/>
               </a:ext>
             </a:extLst>
           </p:cNvPr>
@@ -2062,7 +2062,7 @@
           <a:bodyPr/>
           <a:lstStyle/>
           <a:p>
-            <a:fld id="{9C84EBBB-B1A1-49B3-9DA7-7DD35E15FDC4}" type="datetimeFigureOut">
+            <a:fld id="{B6211B4E-782C-4835-A274-3BADBF6D2456}" type="datetimeFigureOut">
               <a:rPr lang="zh-CN" altLang="en-US" smtClean="0"/>
               <a:t>2024/3/10</a:t>
             </a:fld>
@@ -2075,7 +2075,7 @@
           <p:cNvPr id="3" name="页脚占位符 2">
             <a:extLst>
               <a:ext uri="{FF2B5EF4-FFF2-40B4-BE49-F238E27FC236}">
-                <a16:creationId xmlns:a16="http://schemas.microsoft.com/office/drawing/2014/main" id="{64ED57AA-C2B5-016D-A0B8-94077D232514}"/>
+                <a16:creationId xmlns:a16="http://schemas.microsoft.com/office/drawing/2014/main" id="{DECEA5C6-79C9-5F4B-DCFA-F09CD9326C65}"/>
               </a:ext>
             </a:extLst>
           </p:cNvPr>
@@ -2100,7 +2100,7 @@
           <p:cNvPr id="4" name="灯片编号占位符 3">
             <a:extLst>
               <a:ext uri="{FF2B5EF4-FFF2-40B4-BE49-F238E27FC236}">
-                <a16:creationId xmlns:a16="http://schemas.microsoft.com/office/drawing/2014/main" id="{E9E907F3-FFCD-881F-BC1F-B371C65CA3CF}"/>
+                <a16:creationId xmlns:a16="http://schemas.microsoft.com/office/drawing/2014/main" id="{1602A3B0-2F6E-D335-A352-8732F8360AD5}"/>
               </a:ext>
             </a:extLst>
           </p:cNvPr>
@@ -2116,7 +2116,7 @@
           <a:bodyPr/>
           <a:lstStyle/>
           <a:p>
-            <a:fld id="{9B5DA14F-05DB-4855-97AB-0D8B31710E76}" type="slidenum">
+            <a:fld id="{0F29AEA7-A42D-4EBA-B843-F454C1CD6D24}" type="slidenum">
               <a:rPr lang="zh-CN" altLang="en-US" smtClean="0"/>
               <a:t>‹#›</a:t>
             </a:fld>
@@ -2127,7 +2127,7 @@
     </p:spTree>
     <p:extLst>
       <p:ext uri="{BB962C8B-B14F-4D97-AF65-F5344CB8AC3E}">
-        <p14:creationId xmlns:p14="http://schemas.microsoft.com/office/powerpoint/2010/main" val="843284930"/>
+        <p14:creationId xmlns:p14="http://schemas.microsoft.com/office/powerpoint/2010/main" val="1339237280"/>
       </p:ext>
     </p:extLst>
   </p:cSld>
@@ -2159,7 +2159,7 @@
           <p:cNvPr id="2" name="标题 1">
             <a:extLst>
               <a:ext uri="{FF2B5EF4-FFF2-40B4-BE49-F238E27FC236}">
-                <a16:creationId xmlns:a16="http://schemas.microsoft.com/office/drawing/2014/main" id="{8F2340B8-5A90-E3B3-6CDE-26C77C9DD58A}"/>
+                <a16:creationId xmlns:a16="http://schemas.microsoft.com/office/drawing/2014/main" id="{6A5F47E1-B2A0-3BB5-DCDB-49E69ABE00C5}"/>
               </a:ext>
             </a:extLst>
           </p:cNvPr>
@@ -2196,7 +2196,7 @@
           <p:cNvPr id="3" name="内容占位符 2">
             <a:extLst>
               <a:ext uri="{FF2B5EF4-FFF2-40B4-BE49-F238E27FC236}">
-                <a16:creationId xmlns:a16="http://schemas.microsoft.com/office/drawing/2014/main" id="{CEA258B8-26DA-FB78-7E68-56DDE850D5B0}"/>
+                <a16:creationId xmlns:a16="http://schemas.microsoft.com/office/drawing/2014/main" id="{590F9A3D-94D6-19BB-D5FA-B756D8EB046B}"/>
               </a:ext>
             </a:extLst>
           </p:cNvPr>
@@ -2286,7 +2286,7 @@
           <p:cNvPr id="4" name="文本占位符 3">
             <a:extLst>
               <a:ext uri="{FF2B5EF4-FFF2-40B4-BE49-F238E27FC236}">
-                <a16:creationId xmlns:a16="http://schemas.microsoft.com/office/drawing/2014/main" id="{37DB3816-90A4-B950-49DB-73358FAD3B2E}"/>
+                <a16:creationId xmlns:a16="http://schemas.microsoft.com/office/drawing/2014/main" id="{947914C3-1362-6BBA-D0A0-0B61E3CA9495}"/>
               </a:ext>
             </a:extLst>
           </p:cNvPr>
@@ -2357,7 +2357,7 @@
           <p:cNvPr id="5" name="日期占位符 4">
             <a:extLst>
               <a:ext uri="{FF2B5EF4-FFF2-40B4-BE49-F238E27FC236}">
-                <a16:creationId xmlns:a16="http://schemas.microsoft.com/office/drawing/2014/main" id="{D620EAA1-E48F-A8EA-69C6-9D2A1F6FD155}"/>
+                <a16:creationId xmlns:a16="http://schemas.microsoft.com/office/drawing/2014/main" id="{68CEED0E-C908-FB33-A03B-7DF863A2663F}"/>
               </a:ext>
             </a:extLst>
           </p:cNvPr>
@@ -2373,7 +2373,7 @@
           <a:bodyPr/>
           <a:lstStyle/>
           <a:p>
-            <a:fld id="{9C84EBBB-B1A1-49B3-9DA7-7DD35E15FDC4}" type="datetimeFigureOut">
+            <a:fld id="{B6211B4E-782C-4835-A274-3BADBF6D2456}" type="datetimeFigureOut">
               <a:rPr lang="zh-CN" altLang="en-US" smtClean="0"/>
               <a:t>2024/3/10</a:t>
             </a:fld>
@@ -2386,7 +2386,7 @@
           <p:cNvPr id="6" name="页脚占位符 5">
             <a:extLst>
               <a:ext uri="{FF2B5EF4-FFF2-40B4-BE49-F238E27FC236}">
-                <a16:creationId xmlns:a16="http://schemas.microsoft.com/office/drawing/2014/main" id="{13570E03-3245-10F6-FD38-A6AA4E687949}"/>
+                <a16:creationId xmlns:a16="http://schemas.microsoft.com/office/drawing/2014/main" id="{060D6113-5585-D186-63F8-585E50F4CC6F}"/>
               </a:ext>
             </a:extLst>
           </p:cNvPr>
@@ -2411,7 +2411,7 @@
           <p:cNvPr id="7" name="灯片编号占位符 6">
             <a:extLst>
               <a:ext uri="{FF2B5EF4-FFF2-40B4-BE49-F238E27FC236}">
-                <a16:creationId xmlns:a16="http://schemas.microsoft.com/office/drawing/2014/main" id="{97C36B08-5A65-F345-8975-E9348F8F1342}"/>
+                <a16:creationId xmlns:a16="http://schemas.microsoft.com/office/drawing/2014/main" id="{388792E2-A5D2-B58D-3808-AD8C5F6A40AC}"/>
               </a:ext>
             </a:extLst>
           </p:cNvPr>
@@ -2427,7 +2427,7 @@
           <a:bodyPr/>
           <a:lstStyle/>
           <a:p>
-            <a:fld id="{9B5DA14F-05DB-4855-97AB-0D8B31710E76}" type="slidenum">
+            <a:fld id="{0F29AEA7-A42D-4EBA-B843-F454C1CD6D24}" type="slidenum">
               <a:rPr lang="zh-CN" altLang="en-US" smtClean="0"/>
               <a:t>‹#›</a:t>
             </a:fld>
@@ -2438,7 +2438,7 @@
     </p:spTree>
     <p:extLst>
       <p:ext uri="{BB962C8B-B14F-4D97-AF65-F5344CB8AC3E}">
-        <p14:creationId xmlns:p14="http://schemas.microsoft.com/office/powerpoint/2010/main" val="4058397052"/>
+        <p14:creationId xmlns:p14="http://schemas.microsoft.com/office/powerpoint/2010/main" val="940463628"/>
       </p:ext>
     </p:extLst>
   </p:cSld>
@@ -2470,7 +2470,7 @@
           <p:cNvPr id="2" name="标题 1">
             <a:extLst>
               <a:ext uri="{FF2B5EF4-FFF2-40B4-BE49-F238E27FC236}">
-                <a16:creationId xmlns:a16="http://schemas.microsoft.com/office/drawing/2014/main" id="{AC31EFD4-535B-51AB-8D80-05159DECF72B}"/>
+                <a16:creationId xmlns:a16="http://schemas.microsoft.com/office/drawing/2014/main" id="{D457058D-6965-E2A4-AF32-851156E280CF}"/>
               </a:ext>
             </a:extLst>
           </p:cNvPr>
@@ -2507,7 +2507,7 @@
           <p:cNvPr id="3" name="图片占位符 2">
             <a:extLst>
               <a:ext uri="{FF2B5EF4-FFF2-40B4-BE49-F238E27FC236}">
-                <a16:creationId xmlns:a16="http://schemas.microsoft.com/office/drawing/2014/main" id="{E066C5AA-32B9-DC39-7E81-9D0FE95E96C2}"/>
+                <a16:creationId xmlns:a16="http://schemas.microsoft.com/office/drawing/2014/main" id="{566DB2B7-AF3F-E1FA-2F91-ECEF95D0E302}"/>
               </a:ext>
             </a:extLst>
           </p:cNvPr>
@@ -2574,7 +2574,7 @@
           <p:cNvPr id="4" name="文本占位符 3">
             <a:extLst>
               <a:ext uri="{FF2B5EF4-FFF2-40B4-BE49-F238E27FC236}">
-                <a16:creationId xmlns:a16="http://schemas.microsoft.com/office/drawing/2014/main" id="{C49F187D-34C0-74D3-2A93-869E721FA195}"/>
+                <a16:creationId xmlns:a16="http://schemas.microsoft.com/office/drawing/2014/main" id="{26679910-37D5-4F75-311A-546A1CBE28C4}"/>
               </a:ext>
             </a:extLst>
           </p:cNvPr>
@@ -2645,7 +2645,7 @@
           <p:cNvPr id="5" name="日期占位符 4">
             <a:extLst>
               <a:ext uri="{FF2B5EF4-FFF2-40B4-BE49-F238E27FC236}">
-                <a16:creationId xmlns:a16="http://schemas.microsoft.com/office/drawing/2014/main" id="{5ABDBF56-AFA6-EC81-BE80-AFEB4168095B}"/>
+                <a16:creationId xmlns:a16="http://schemas.microsoft.com/office/drawing/2014/main" id="{D0BA5761-42E7-3AE6-2212-6FD7D8E71AFE}"/>
               </a:ext>
             </a:extLst>
           </p:cNvPr>
@@ -2661,7 +2661,7 @@
           <a:bodyPr/>
           <a:lstStyle/>
           <a:p>
-            <a:fld id="{9C84EBBB-B1A1-49B3-9DA7-7DD35E15FDC4}" type="datetimeFigureOut">
+            <a:fld id="{B6211B4E-782C-4835-A274-3BADBF6D2456}" type="datetimeFigureOut">
               <a:rPr lang="zh-CN" altLang="en-US" smtClean="0"/>
               <a:t>2024/3/10</a:t>
             </a:fld>
@@ -2674,7 +2674,7 @@
           <p:cNvPr id="6" name="页脚占位符 5">
             <a:extLst>
               <a:ext uri="{FF2B5EF4-FFF2-40B4-BE49-F238E27FC236}">
-                <a16:creationId xmlns:a16="http://schemas.microsoft.com/office/drawing/2014/main" id="{94C67F82-297B-FB2F-555E-C1A1FDE55B3B}"/>
+                <a16:creationId xmlns:a16="http://schemas.microsoft.com/office/drawing/2014/main" id="{BA002582-7E19-07A6-23CF-4865B45EA96F}"/>
               </a:ext>
             </a:extLst>
           </p:cNvPr>
@@ -2699,7 +2699,7 @@
           <p:cNvPr id="7" name="灯片编号占位符 6">
             <a:extLst>
               <a:ext uri="{FF2B5EF4-FFF2-40B4-BE49-F238E27FC236}">
-                <a16:creationId xmlns:a16="http://schemas.microsoft.com/office/drawing/2014/main" id="{FAEA2D16-1EBD-3334-FC0E-41613766D11F}"/>
+                <a16:creationId xmlns:a16="http://schemas.microsoft.com/office/drawing/2014/main" id="{ADF5B418-F1E2-5ED7-25E7-B52627FE411F}"/>
               </a:ext>
             </a:extLst>
           </p:cNvPr>
@@ -2715,7 +2715,7 @@
           <a:bodyPr/>
           <a:lstStyle/>
           <a:p>
-            <a:fld id="{9B5DA14F-05DB-4855-97AB-0D8B31710E76}" type="slidenum">
+            <a:fld id="{0F29AEA7-A42D-4EBA-B843-F454C1CD6D24}" type="slidenum">
               <a:rPr lang="zh-CN" altLang="en-US" smtClean="0"/>
               <a:t>‹#›</a:t>
             </a:fld>
@@ -2726,7 +2726,7 @@
     </p:spTree>
     <p:extLst>
       <p:ext uri="{BB962C8B-B14F-4D97-AF65-F5344CB8AC3E}">
-        <p14:creationId xmlns:p14="http://schemas.microsoft.com/office/powerpoint/2010/main" val="900217842"/>
+        <p14:creationId xmlns:p14="http://schemas.microsoft.com/office/powerpoint/2010/main" val="599905669"/>
       </p:ext>
     </p:extLst>
   </p:cSld>
@@ -2763,7 +2763,7 @@
           <p:cNvPr id="2" name="标题占位符 1">
             <a:extLst>
               <a:ext uri="{FF2B5EF4-FFF2-40B4-BE49-F238E27FC236}">
-                <a16:creationId xmlns:a16="http://schemas.microsoft.com/office/drawing/2014/main" id="{2C956475-85C2-F94D-450E-F47920403E87}"/>
+                <a16:creationId xmlns:a16="http://schemas.microsoft.com/office/drawing/2014/main" id="{02F27227-0EE6-D925-4E8A-F5C1B51B8E7E}"/>
               </a:ext>
             </a:extLst>
           </p:cNvPr>
@@ -2801,7 +2801,7 @@
           <p:cNvPr id="3" name="文本占位符 2">
             <a:extLst>
               <a:ext uri="{FF2B5EF4-FFF2-40B4-BE49-F238E27FC236}">
-                <a16:creationId xmlns:a16="http://schemas.microsoft.com/office/drawing/2014/main" id="{2A8B8928-4026-A3DC-0DC2-5C17C6BA7EC0}"/>
+                <a16:creationId xmlns:a16="http://schemas.microsoft.com/office/drawing/2014/main" id="{8F1502FE-1707-97A6-BB61-A8317DB1BAA1}"/>
               </a:ext>
             </a:extLst>
           </p:cNvPr>
@@ -2868,7 +2868,7 @@
           <p:cNvPr id="4" name="日期占位符 3">
             <a:extLst>
               <a:ext uri="{FF2B5EF4-FFF2-40B4-BE49-F238E27FC236}">
-                <a16:creationId xmlns:a16="http://schemas.microsoft.com/office/drawing/2014/main" id="{2F346026-9E4B-C234-459C-121013017F80}"/>
+                <a16:creationId xmlns:a16="http://schemas.microsoft.com/office/drawing/2014/main" id="{C298B448-C47D-FFFA-D8B3-2336E80DE37D}"/>
               </a:ext>
             </a:extLst>
           </p:cNvPr>
@@ -2902,7 +2902,7 @@
             </a:lvl1pPr>
           </a:lstStyle>
           <a:p>
-            <a:fld id="{9C84EBBB-B1A1-49B3-9DA7-7DD35E15FDC4}" type="datetimeFigureOut">
+            <a:fld id="{B6211B4E-782C-4835-A274-3BADBF6D2456}" type="datetimeFigureOut">
               <a:rPr lang="zh-CN" altLang="en-US" smtClean="0"/>
               <a:t>2024/3/10</a:t>
             </a:fld>
@@ -2915,7 +2915,7 @@
           <p:cNvPr id="5" name="页脚占位符 4">
             <a:extLst>
               <a:ext uri="{FF2B5EF4-FFF2-40B4-BE49-F238E27FC236}">
-                <a16:creationId xmlns:a16="http://schemas.microsoft.com/office/drawing/2014/main" id="{FC7A6E5F-C17F-C92B-4678-793C7AACA24C}"/>
+                <a16:creationId xmlns:a16="http://schemas.microsoft.com/office/drawing/2014/main" id="{7E5EEDA5-4CC7-397C-4453-FBCDC73160B5}"/>
               </a:ext>
             </a:extLst>
           </p:cNvPr>
@@ -2958,7 +2958,7 @@
           <p:cNvPr id="6" name="灯片编号占位符 5">
             <a:extLst>
               <a:ext uri="{FF2B5EF4-FFF2-40B4-BE49-F238E27FC236}">
-                <a16:creationId xmlns:a16="http://schemas.microsoft.com/office/drawing/2014/main" id="{6AD62F7E-A11C-E5AC-74C7-B51B0C3A0B95}"/>
+                <a16:creationId xmlns:a16="http://schemas.microsoft.com/office/drawing/2014/main" id="{6BD79B78-E4D0-1792-8F81-E7B34AAA985F}"/>
               </a:ext>
             </a:extLst>
           </p:cNvPr>
@@ -2992,7 +2992,7 @@
             </a:lvl1pPr>
           </a:lstStyle>
           <a:p>
-            <a:fld id="{9B5DA14F-05DB-4855-97AB-0D8B31710E76}" type="slidenum">
+            <a:fld id="{0F29AEA7-A42D-4EBA-B843-F454C1CD6D24}" type="slidenum">
               <a:rPr lang="zh-CN" altLang="en-US" smtClean="0"/>
               <a:t>‹#›</a:t>
             </a:fld>
@@ -3003,7 +3003,7 @@
     </p:spTree>
     <p:extLst>
       <p:ext uri="{BB962C8B-B14F-4D97-AF65-F5344CB8AC3E}">
-        <p14:creationId xmlns:p14="http://schemas.microsoft.com/office/powerpoint/2010/main" val="3771347963"/>
+        <p14:creationId xmlns:p14="http://schemas.microsoft.com/office/powerpoint/2010/main" val="1259433516"/>
       </p:ext>
     </p:extLst>
   </p:cSld>
